--- a/local-dev-elastic-k8s-skaffold.pptx
+++ b/local-dev-elastic-k8s-skaffold.pptx
@@ -513,16 +513,90 @@
           <a:bodyPr/>
           <a:lstStyle/>
           <a:p>
-            <a:r>
-              <a:rPr lang="en-US" dirty="0"/>
-              <a:t>I’m Joe Zack, </a:t>
-            </a:r>
-          </a:p>
-          <a:p>
-            <a:r>
-              <a:rPr lang="en-US" dirty="0"/>
-              <a:t>I have a podcast with a couple friends where we talk about stuff we like, like Code, and DevOps, and Elastic Stack</a:t>
-            </a:r>
+            <a:br>
+              <a:rPr lang="en-US" b="0" dirty="0">
+                <a:solidFill>
+                  <a:srgbClr val="D4D4D4"/>
+                </a:solidFill>
+                <a:effectLst/>
+                <a:latin typeface="JetBrains Mono, Fira Code, Consolas, monospace"/>
+              </a:rPr>
+            </a:br>
+            <a:r>
+              <a:rPr lang="en-US" b="0" dirty="0">
+                <a:solidFill>
+                  <a:srgbClr val="D4D4D4"/>
+                </a:solidFill>
+                <a:effectLst/>
+                <a:latin typeface="JetBrains Mono, Fira Code, Consolas, monospace"/>
+              </a:rPr>
+              <a:t>Building a local development environment for the Elastic Stack that will be easy to work with.</a:t>
+            </a:r>
+          </a:p>
+          <a:p>
+            <a:br>
+              <a:rPr lang="en-US" b="0" dirty="0">
+                <a:solidFill>
+                  <a:srgbClr val="D4D4D4"/>
+                </a:solidFill>
+                <a:effectLst/>
+                <a:latin typeface="JetBrains Mono, Fira Code, Consolas, monospace"/>
+              </a:rPr>
+            </a:br>
+            <a:r>
+              <a:rPr lang="en-US" b="0" dirty="0">
+                <a:solidFill>
+                  <a:srgbClr val="D4D4D4"/>
+                </a:solidFill>
+                <a:effectLst/>
+                <a:latin typeface="JetBrains Mono, Fira Code, Consolas, monospace"/>
+              </a:rPr>
+              <a:t>Everything you need to run this environment is up on </a:t>
+            </a:r>
+            <a:r>
+              <a:rPr lang="en-US" b="0" dirty="0" err="1">
+                <a:solidFill>
+                  <a:srgbClr val="D4D4D4"/>
+                </a:solidFill>
+                <a:effectLst/>
+                <a:latin typeface="JetBrains Mono, Fira Code, Consolas, monospace"/>
+              </a:rPr>
+              <a:t>Github</a:t>
+            </a:r>
+            <a:r>
+              <a:rPr lang="en-US" b="0" dirty="0">
+                <a:solidFill>
+                  <a:srgbClr val="D4D4D4"/>
+                </a:solidFill>
+                <a:effectLst/>
+                <a:latin typeface="JetBrains Mono, Fira Code, Consolas, monospace"/>
+              </a:rPr>
+              <a:t>, there is a link in the description. Of course, I tried to make it as easy as possible to get started. I tried to be really careful when I did this, because sometimes presentations or videos or blogs will boil something down to it's simplest components to make a tidy prototype but that prototype is kind of an illusion. As soon as you try to make any changes, the whole thing falls apart because the prototype was designed to be demonstratable, not for real-life.</a:t>
+            </a:r>
+          </a:p>
+          <a:p>
+            <a:br>
+              <a:rPr lang="en-US" b="0" dirty="0">
+                <a:solidFill>
+                  <a:srgbClr val="D4D4D4"/>
+                </a:solidFill>
+                <a:effectLst/>
+                <a:latin typeface="JetBrains Mono, Fira Code, Consolas, monospace"/>
+              </a:rPr>
+            </a:br>
+            <a:r>
+              <a:rPr lang="en-US" b="0" dirty="0">
+                <a:solidFill>
+                  <a:srgbClr val="D4D4D4"/>
+                </a:solidFill>
+                <a:effectLst/>
+                <a:latin typeface="JetBrains Mono, Fira Code, Consolas, monospace"/>
+              </a:rPr>
+              <a:t>I want this demonstration to be the opposite of that. I want to give you something you can take and make your own. Now, we will be using on a couple big technologies and you don't need to know much about them, but if you are serious about taking this infrastructure to production then you're going to need to learn more about tools like Kubernetes, and Helm, and Skaffold. Because this demonstration is not a product, it's a good foundation.</a:t>
+            </a:r>
+          </a:p>
+          <a:p>
+            <a:endParaRPr lang="en-US" dirty="0"/>
           </a:p>
         </p:txBody>
       </p:sp>
@@ -543,7 +617,7 @@
           <a:p>
             <a:fld id="{F9B9FEB2-A9F6-4A0B-814A-25999B410DF4}" type="slidenum">
               <a:rPr lang="en-US" smtClean="0"/>
-              <a:t>2</a:t>
+              <a:t>1</a:t>
             </a:fld>
             <a:endParaRPr lang="en-US"/>
           </a:p>
@@ -552,7 +626,7 @@
     </p:spTree>
     <p:extLst>
       <p:ext uri="{BB962C8B-B14F-4D97-AF65-F5344CB8AC3E}">
-        <p14:creationId xmlns:p14="http://schemas.microsoft.com/office/powerpoint/2010/main" val="3724256977"/>
+        <p14:creationId xmlns:p14="http://schemas.microsoft.com/office/powerpoint/2010/main" val="197948583"/>
       </p:ext>
     </p:extLst>
   </p:cSld>
@@ -606,240 +680,16 @@
           <a:bodyPr/>
           <a:lstStyle/>
           <a:p>
-            <a:pPr marL="0" marR="0" lvl="0" indent="0" algn="l" defTabSz="914400" rtl="0" eaLnBrk="1" fontAlgn="auto" latinLnBrk="0" hangingPunct="1">
-              <a:lnSpc>
-                <a:spcPct val="100000"/>
-              </a:lnSpc>
-              <a:spcBef>
-                <a:spcPts val="0"/>
-              </a:spcBef>
-              <a:spcAft>
-                <a:spcPts val="0"/>
-              </a:spcAft>
-              <a:buClrTx/>
-              <a:buSzTx/>
-              <a:buFontTx/>
-              <a:buNone/>
-              <a:tabLst/>
-              <a:defRPr/>
-            </a:pPr>
             <a:r>
               <a:rPr lang="en-US" dirty="0"/>
-              <a:t>Point: Local Development is important:</a:t>
-            </a:r>
-          </a:p>
-          <a:p>
-            <a:pPr marL="0" marR="0" lvl="0" indent="0" algn="l" defTabSz="914400" rtl="0" eaLnBrk="1" fontAlgn="auto" latinLnBrk="0" hangingPunct="1">
-              <a:lnSpc>
-                <a:spcPct val="100000"/>
-              </a:lnSpc>
-              <a:spcBef>
-                <a:spcPts val="0"/>
-              </a:spcBef>
-              <a:spcAft>
-                <a:spcPts val="0"/>
-              </a:spcAft>
-              <a:buClrTx/>
-              <a:buSzTx/>
-              <a:buFontTx/>
-              <a:buNone/>
-              <a:tabLst/>
-              <a:defRPr/>
-            </a:pPr>
-            <a:endParaRPr lang="en-US" dirty="0"/>
-          </a:p>
-          <a:p>
-            <a:pPr marL="171450" marR="0" lvl="0" indent="-171450" algn="l" defTabSz="914400" rtl="0" eaLnBrk="1" fontAlgn="auto" latinLnBrk="0" hangingPunct="1">
-              <a:lnSpc>
-                <a:spcPct val="100000"/>
-              </a:lnSpc>
-              <a:spcBef>
-                <a:spcPts val="0"/>
-              </a:spcBef>
-              <a:spcAft>
-                <a:spcPts val="0"/>
-              </a:spcAft>
-              <a:buClrTx/>
-              <a:buSzTx/>
-              <a:buFontTx/>
-              <a:buChar char="-"/>
-              <a:tabLst/>
-              <a:defRPr/>
-            </a:pPr>
+              <a:t>I’m Joe Zack, </a:t>
+            </a:r>
+          </a:p>
+          <a:p>
             <a:r>
               <a:rPr lang="en-US" dirty="0"/>
-              <a:t>Similarity means less errors, easier to reproduce problems or experiment</a:t>
-            </a:r>
-          </a:p>
-          <a:p>
-            <a:pPr marL="171450" marR="0" lvl="0" indent="-171450" algn="l" defTabSz="914400" rtl="0" eaLnBrk="1" fontAlgn="auto" latinLnBrk="0" hangingPunct="1">
-              <a:lnSpc>
-                <a:spcPct val="100000"/>
-              </a:lnSpc>
-              <a:spcBef>
-                <a:spcPts val="0"/>
-              </a:spcBef>
-              <a:spcAft>
-                <a:spcPts val="0"/>
-              </a:spcAft>
-              <a:buClrTx/>
-              <a:buSzTx/>
-              <a:buFontTx/>
-              <a:buChar char="-"/>
-              <a:tabLst/>
-              <a:defRPr/>
-            </a:pPr>
-            <a:r>
-              <a:rPr lang="en-US" dirty="0"/>
-              <a:t>Mutate your environment without breaking anybody else</a:t>
-            </a:r>
-          </a:p>
-          <a:p>
-            <a:pPr marL="171450" marR="0" lvl="0" indent="-171450" algn="l" defTabSz="914400" rtl="0" eaLnBrk="1" fontAlgn="auto" latinLnBrk="0" hangingPunct="1">
-              <a:lnSpc>
-                <a:spcPct val="100000"/>
-              </a:lnSpc>
-              <a:spcBef>
-                <a:spcPts val="0"/>
-              </a:spcBef>
-              <a:spcAft>
-                <a:spcPts val="0"/>
-              </a:spcAft>
-              <a:buClrTx/>
-              <a:buSzTx/>
-              <a:buFontTx/>
-              <a:buChar char="-"/>
-              <a:tabLst/>
-              <a:defRPr/>
-            </a:pPr>
-            <a:endParaRPr lang="en-US" dirty="0"/>
-          </a:p>
-          <a:p>
-            <a:pPr marL="171450" marR="0" lvl="0" indent="-171450" algn="l" defTabSz="914400" rtl="0" eaLnBrk="1" fontAlgn="auto" latinLnBrk="0" hangingPunct="1">
-              <a:lnSpc>
-                <a:spcPct val="100000"/>
-              </a:lnSpc>
-              <a:spcBef>
-                <a:spcPts val="0"/>
-              </a:spcBef>
-              <a:spcAft>
-                <a:spcPts val="0"/>
-              </a:spcAft>
-              <a:buClrTx/>
-              <a:buSzTx/>
-              <a:buFontTx/>
-              <a:buChar char="-"/>
-              <a:tabLst/>
-              <a:defRPr/>
-            </a:pPr>
-            <a:endParaRPr lang="en-US" dirty="0"/>
-          </a:p>
-          <a:p>
-            <a:pPr marL="0" marR="0" lvl="0" indent="0" algn="l" defTabSz="914400" rtl="0" eaLnBrk="1" fontAlgn="auto" latinLnBrk="0" hangingPunct="1">
-              <a:lnSpc>
-                <a:spcPct val="100000"/>
-              </a:lnSpc>
-              <a:spcBef>
-                <a:spcPts val="0"/>
-              </a:spcBef>
-              <a:spcAft>
-                <a:spcPts val="0"/>
-              </a:spcAft>
-              <a:buClrTx/>
-              <a:buSzTx/>
-              <a:buFontTx/>
-              <a:buNone/>
-              <a:tabLst/>
-              <a:defRPr/>
-            </a:pPr>
-            <a:r>
-              <a:rPr lang="en-US" dirty="0"/>
-              <a:t>Why Kubernetes?</a:t>
-            </a:r>
-          </a:p>
-          <a:p>
-            <a:pPr marL="171450" marR="0" lvl="0" indent="-171450" algn="l" defTabSz="914400" rtl="0" eaLnBrk="1" fontAlgn="auto" latinLnBrk="0" hangingPunct="1">
-              <a:lnSpc>
-                <a:spcPct val="100000"/>
-              </a:lnSpc>
-              <a:spcBef>
-                <a:spcPts val="0"/>
-              </a:spcBef>
-              <a:spcAft>
-                <a:spcPts val="0"/>
-              </a:spcAft>
-              <a:buClrTx/>
-              <a:buSzTx/>
-              <a:buFontTx/>
-              <a:buChar char="-"/>
-              <a:tabLst/>
-              <a:defRPr/>
-            </a:pPr>
-            <a:r>
-              <a:rPr lang="en-US" dirty="0"/>
-              <a:t>You can explorer different versions of your environment</a:t>
-            </a:r>
-          </a:p>
-          <a:p>
-            <a:pPr marL="171450" marR="0" lvl="0" indent="-171450" algn="l" defTabSz="914400" rtl="0" eaLnBrk="1" fontAlgn="auto" latinLnBrk="0" hangingPunct="1">
-              <a:lnSpc>
-                <a:spcPct val="100000"/>
-              </a:lnSpc>
-              <a:spcBef>
-                <a:spcPts val="0"/>
-              </a:spcBef>
-              <a:spcAft>
-                <a:spcPts val="0"/>
-              </a:spcAft>
-              <a:buClrTx/>
-              <a:buSzTx/>
-              <a:buFontTx/>
-              <a:buChar char="-"/>
-              <a:tabLst/>
-              <a:defRPr/>
-            </a:pPr>
-            <a:r>
-              <a:rPr lang="en-US" dirty="0"/>
-              <a:t>You can find problems sooner</a:t>
-            </a:r>
-          </a:p>
-          <a:p>
-            <a:pPr marL="171450" marR="0" lvl="0" indent="-171450" algn="l" defTabSz="914400" rtl="0" eaLnBrk="1" fontAlgn="auto" latinLnBrk="0" hangingPunct="1">
-              <a:lnSpc>
-                <a:spcPct val="100000"/>
-              </a:lnSpc>
-              <a:spcBef>
-                <a:spcPts val="0"/>
-              </a:spcBef>
-              <a:spcAft>
-                <a:spcPts val="0"/>
-              </a:spcAft>
-              <a:buClrTx/>
-              <a:buSzTx/>
-              <a:buFontTx/>
-              <a:buChar char="-"/>
-              <a:tabLst/>
-              <a:defRPr/>
-            </a:pPr>
-            <a:r>
-              <a:rPr lang="en-US" dirty="0"/>
-              <a:t>Your </a:t>
-            </a:r>
-            <a:r>
-              <a:rPr lang="en-US" dirty="0" err="1"/>
-              <a:t>devs</a:t>
-            </a:r>
-            <a:r>
-              <a:rPr lang="en-US" dirty="0"/>
-              <a:t> can get more experience with a production-like environment?</a:t>
-            </a:r>
-          </a:p>
-          <a:p>
-            <a:pPr marL="171450" indent="-171450">
-              <a:buFontTx/>
-              <a:buChar char="-"/>
-            </a:pPr>
-            <a:endParaRPr lang="en-US" dirty="0"/>
+              <a:t>I have a podcast with a couple friends where we talk about stuff we like, like Code, and DevOps, and Elastic Stack</a:t>
+            </a:r>
           </a:p>
         </p:txBody>
       </p:sp>
@@ -860,7 +710,7 @@
           <a:p>
             <a:fld id="{F9B9FEB2-A9F6-4A0B-814A-25999B410DF4}" type="slidenum">
               <a:rPr lang="en-US" smtClean="0"/>
-              <a:t>3</a:t>
+              <a:t>2</a:t>
             </a:fld>
             <a:endParaRPr lang="en-US"/>
           </a:p>
@@ -869,7 +719,7 @@
     </p:spTree>
     <p:extLst>
       <p:ext uri="{BB962C8B-B14F-4D97-AF65-F5344CB8AC3E}">
-        <p14:creationId xmlns:p14="http://schemas.microsoft.com/office/powerpoint/2010/main" val="3727363355"/>
+        <p14:creationId xmlns:p14="http://schemas.microsoft.com/office/powerpoint/2010/main" val="3724256977"/>
       </p:ext>
     </p:extLst>
   </p:cSld>
@@ -923,6 +773,49 @@
           <a:bodyPr/>
           <a:lstStyle/>
           <a:p>
+            <a:pPr marL="0" marR="0" lvl="0" indent="0" algn="l" defTabSz="914400" rtl="0" eaLnBrk="1" fontAlgn="auto" latinLnBrk="0" hangingPunct="1">
+              <a:lnSpc>
+                <a:spcPct val="100000"/>
+              </a:lnSpc>
+              <a:spcBef>
+                <a:spcPts val="0"/>
+              </a:spcBef>
+              <a:spcAft>
+                <a:spcPts val="0"/>
+              </a:spcAft>
+              <a:buClrTx/>
+              <a:buSzTx/>
+              <a:buFontTx/>
+              <a:buNone/>
+              <a:tabLst/>
+              <a:defRPr/>
+            </a:pPr>
+            <a:r>
+              <a:rPr lang="en-US" dirty="0"/>
+              <a:t>Point: Local Development is important:</a:t>
+            </a:r>
+          </a:p>
+          <a:p>
+            <a:pPr marL="0" marR="0" lvl="0" indent="0" algn="l" defTabSz="914400" rtl="0" eaLnBrk="1" fontAlgn="auto" latinLnBrk="0" hangingPunct="1">
+              <a:lnSpc>
+                <a:spcPct val="100000"/>
+              </a:lnSpc>
+              <a:spcBef>
+                <a:spcPts val="0"/>
+              </a:spcBef>
+              <a:spcAft>
+                <a:spcPts val="0"/>
+              </a:spcAft>
+              <a:buClrTx/>
+              <a:buSzTx/>
+              <a:buFontTx/>
+              <a:buNone/>
+              <a:tabLst/>
+              <a:defRPr/>
+            </a:pPr>
+            <a:endParaRPr lang="en-US" dirty="0"/>
+          </a:p>
+          <a:p>
             <a:pPr marL="171450" marR="0" lvl="0" indent="-171450" algn="l" defTabSz="914400" rtl="0" eaLnBrk="1" fontAlgn="auto" latinLnBrk="0" hangingPunct="1">
               <a:lnSpc>
                 <a:spcPct val="100000"/>
@@ -942,13 +835,171 @@
             </a:pPr>
             <a:r>
               <a:rPr lang="en-US" dirty="0"/>
-              <a:t>Development environments should be as similar to production, as is reasonable. Kubernetes can give you that, </a:t>
+              <a:t>Similarity means less errors, easier to reproduce problems or experiment</a:t>
+            </a:r>
+          </a:p>
+          <a:p>
+            <a:pPr marL="171450" marR="0" lvl="0" indent="-171450" algn="l" defTabSz="914400" rtl="0" eaLnBrk="1" fontAlgn="auto" latinLnBrk="0" hangingPunct="1">
+              <a:lnSpc>
+                <a:spcPct val="100000"/>
+              </a:lnSpc>
+              <a:spcBef>
+                <a:spcPts val="0"/>
+              </a:spcBef>
+              <a:spcAft>
+                <a:spcPts val="0"/>
+              </a:spcAft>
+              <a:buClrTx/>
+              <a:buSzTx/>
+              <a:buFontTx/>
+              <a:buChar char="-"/>
+              <a:tabLst/>
+              <a:defRPr/>
+            </a:pPr>
+            <a:r>
+              <a:rPr lang="en-US" dirty="0"/>
+              <a:t>Mutate your environment without breaking anybody else</a:t>
+            </a:r>
+          </a:p>
+          <a:p>
+            <a:pPr marL="171450" marR="0" lvl="0" indent="-171450" algn="l" defTabSz="914400" rtl="0" eaLnBrk="1" fontAlgn="auto" latinLnBrk="0" hangingPunct="1">
+              <a:lnSpc>
+                <a:spcPct val="100000"/>
+              </a:lnSpc>
+              <a:spcBef>
+                <a:spcPts val="0"/>
+              </a:spcBef>
+              <a:spcAft>
+                <a:spcPts val="0"/>
+              </a:spcAft>
+              <a:buClrTx/>
+              <a:buSzTx/>
+              <a:buFontTx/>
+              <a:buChar char="-"/>
+              <a:tabLst/>
+              <a:defRPr/>
+            </a:pPr>
+            <a:endParaRPr lang="en-US" dirty="0"/>
+          </a:p>
+          <a:p>
+            <a:pPr marL="171450" marR="0" lvl="0" indent="-171450" algn="l" defTabSz="914400" rtl="0" eaLnBrk="1" fontAlgn="auto" latinLnBrk="0" hangingPunct="1">
+              <a:lnSpc>
+                <a:spcPct val="100000"/>
+              </a:lnSpc>
+              <a:spcBef>
+                <a:spcPts val="0"/>
+              </a:spcBef>
+              <a:spcAft>
+                <a:spcPts val="0"/>
+              </a:spcAft>
+              <a:buClrTx/>
+              <a:buSzTx/>
+              <a:buFontTx/>
+              <a:buChar char="-"/>
+              <a:tabLst/>
+              <a:defRPr/>
+            </a:pPr>
+            <a:endParaRPr lang="en-US" dirty="0"/>
+          </a:p>
+          <a:p>
+            <a:pPr marL="0" marR="0" lvl="0" indent="0" algn="l" defTabSz="914400" rtl="0" eaLnBrk="1" fontAlgn="auto" latinLnBrk="0" hangingPunct="1">
+              <a:lnSpc>
+                <a:spcPct val="100000"/>
+              </a:lnSpc>
+              <a:spcBef>
+                <a:spcPts val="0"/>
+              </a:spcBef>
+              <a:spcAft>
+                <a:spcPts val="0"/>
+              </a:spcAft>
+              <a:buClrTx/>
+              <a:buSzTx/>
+              <a:buFontTx/>
+              <a:buNone/>
+              <a:tabLst/>
+              <a:defRPr/>
+            </a:pPr>
+            <a:r>
+              <a:rPr lang="en-US" dirty="0"/>
+              <a:t>Why Kubernetes?</a:t>
+            </a:r>
+          </a:p>
+          <a:p>
+            <a:pPr marL="171450" marR="0" lvl="0" indent="-171450" algn="l" defTabSz="914400" rtl="0" eaLnBrk="1" fontAlgn="auto" latinLnBrk="0" hangingPunct="1">
+              <a:lnSpc>
+                <a:spcPct val="100000"/>
+              </a:lnSpc>
+              <a:spcBef>
+                <a:spcPts val="0"/>
+              </a:spcBef>
+              <a:spcAft>
+                <a:spcPts val="0"/>
+              </a:spcAft>
+              <a:buClrTx/>
+              <a:buSzTx/>
+              <a:buFontTx/>
+              <a:buChar char="-"/>
+              <a:tabLst/>
+              <a:defRPr/>
+            </a:pPr>
+            <a:r>
+              <a:rPr lang="en-US" dirty="0"/>
+              <a:t>You can explorer different versions of your environment</a:t>
+            </a:r>
+          </a:p>
+          <a:p>
+            <a:pPr marL="171450" marR="0" lvl="0" indent="-171450" algn="l" defTabSz="914400" rtl="0" eaLnBrk="1" fontAlgn="auto" latinLnBrk="0" hangingPunct="1">
+              <a:lnSpc>
+                <a:spcPct val="100000"/>
+              </a:lnSpc>
+              <a:spcBef>
+                <a:spcPts val="0"/>
+              </a:spcBef>
+              <a:spcAft>
+                <a:spcPts val="0"/>
+              </a:spcAft>
+              <a:buClrTx/>
+              <a:buSzTx/>
+              <a:buFontTx/>
+              <a:buChar char="-"/>
+              <a:tabLst/>
+              <a:defRPr/>
+            </a:pPr>
+            <a:r>
+              <a:rPr lang="en-US" dirty="0"/>
+              <a:t>You can find problems sooner</a:t>
+            </a:r>
+          </a:p>
+          <a:p>
+            <a:pPr marL="171450" marR="0" lvl="0" indent="-171450" algn="l" defTabSz="914400" rtl="0" eaLnBrk="1" fontAlgn="auto" latinLnBrk="0" hangingPunct="1">
+              <a:lnSpc>
+                <a:spcPct val="100000"/>
+              </a:lnSpc>
+              <a:spcBef>
+                <a:spcPts val="0"/>
+              </a:spcBef>
+              <a:spcAft>
+                <a:spcPts val="0"/>
+              </a:spcAft>
+              <a:buClrTx/>
+              <a:buSzTx/>
+              <a:buFontTx/>
+              <a:buChar char="-"/>
+              <a:tabLst/>
+              <a:defRPr/>
+            </a:pPr>
+            <a:r>
+              <a:rPr lang="en-US" dirty="0"/>
+              <a:t>Your </a:t>
             </a:r>
             <a:r>
               <a:rPr lang="en-US" dirty="0" err="1"/>
-              <a:t>bu</a:t>
-            </a:r>
-            <a:endParaRPr lang="en-US" dirty="0"/>
+              <a:t>devs</a:t>
+            </a:r>
+            <a:r>
+              <a:rPr lang="en-US" dirty="0"/>
+              <a:t> can get more experience with a production-like environment?</a:t>
+            </a:r>
           </a:p>
           <a:p>
             <a:pPr marL="171450" indent="-171450">
@@ -957,67 +1008,6 @@
             </a:pPr>
             <a:endParaRPr lang="en-US" dirty="0"/>
           </a:p>
-          <a:p>
-            <a:pPr marL="171450" indent="-171450">
-              <a:buFontTx/>
-              <a:buChar char="-"/>
-            </a:pPr>
-            <a:endParaRPr lang="en-US" dirty="0"/>
-          </a:p>
-          <a:p>
-            <a:pPr marL="171450" indent="-171450">
-              <a:buFontTx/>
-              <a:buChar char="-"/>
-            </a:pPr>
-            <a:r>
-              <a:rPr lang="en-US" dirty="0"/>
-              <a:t>The problem</a:t>
-            </a:r>
-          </a:p>
-          <a:p>
-            <a:pPr marL="171450" indent="-171450">
-              <a:buFontTx/>
-              <a:buChar char="-"/>
-            </a:pPr>
-            <a:r>
-              <a:rPr lang="en-US" dirty="0"/>
-              <a:t>Kubernetes is difficult, and complicated</a:t>
-            </a:r>
-          </a:p>
-          <a:p>
-            <a:pPr marL="171450" indent="-171450">
-              <a:buFontTx/>
-              <a:buChar char="-"/>
-            </a:pPr>
-            <a:r>
-              <a:rPr lang="en-US" dirty="0"/>
-              <a:t>Docker/Compose came along and made it easier to dynamically create, and destroy, and modify environments</a:t>
-            </a:r>
-          </a:p>
-          <a:p>
-            <a:pPr marL="171450" indent="-171450">
-              <a:buFontTx/>
-              <a:buChar char="-"/>
-            </a:pPr>
-            <a:r>
-              <a:rPr lang="en-US" dirty="0"/>
-              <a:t>That’s good for local dev</a:t>
-            </a:r>
-          </a:p>
-          <a:p>
-            <a:pPr marL="171450" indent="-171450">
-              <a:buFontTx/>
-              <a:buChar char="-"/>
-            </a:pPr>
-            <a:endParaRPr lang="en-US" dirty="0"/>
-          </a:p>
-          <a:p>
-            <a:pPr marL="171450" indent="-171450">
-              <a:buFontTx/>
-              <a:buChar char="-"/>
-            </a:pPr>
-            <a:endParaRPr lang="en-US" dirty="0"/>
-          </a:p>
         </p:txBody>
       </p:sp>
       <p:sp>
@@ -1037,7 +1027,7 @@
           <a:p>
             <a:fld id="{F9B9FEB2-A9F6-4A0B-814A-25999B410DF4}" type="slidenum">
               <a:rPr lang="en-US" smtClean="0"/>
-              <a:t>4</a:t>
+              <a:t>3</a:t>
             </a:fld>
             <a:endParaRPr lang="en-US"/>
           </a:p>
@@ -1046,7 +1036,7 @@
     </p:spTree>
     <p:extLst>
       <p:ext uri="{BB962C8B-B14F-4D97-AF65-F5344CB8AC3E}">
-        <p14:creationId xmlns:p14="http://schemas.microsoft.com/office/powerpoint/2010/main" val="1525905731"/>
+        <p14:creationId xmlns:p14="http://schemas.microsoft.com/office/powerpoint/2010/main" val="3727363355"/>
       </p:ext>
     </p:extLst>
   </p:cSld>
@@ -1100,6 +1090,129 @@
           <a:bodyPr/>
           <a:lstStyle/>
           <a:p>
+            <a:pPr marL="171450" marR="0" lvl="0" indent="-171450" algn="l" defTabSz="914400" rtl="0" eaLnBrk="1" fontAlgn="auto" latinLnBrk="0" hangingPunct="1">
+              <a:lnSpc>
+                <a:spcPct val="100000"/>
+              </a:lnSpc>
+              <a:spcBef>
+                <a:spcPts val="0"/>
+              </a:spcBef>
+              <a:spcAft>
+                <a:spcPts val="0"/>
+              </a:spcAft>
+              <a:buClrTx/>
+              <a:buSzTx/>
+              <a:buFontTx/>
+              <a:buChar char="-"/>
+              <a:tabLst/>
+              <a:defRPr/>
+            </a:pPr>
+            <a:r>
+              <a:rPr lang="en-US" dirty="0"/>
+              <a:t>Development environments should be as similar to production, as is reasonable. Kubernetes can give you that, </a:t>
+            </a:r>
+            <a:r>
+              <a:rPr lang="en-US" dirty="0" err="1"/>
+              <a:t>bu</a:t>
+            </a:r>
+            <a:endParaRPr lang="en-US" dirty="0"/>
+          </a:p>
+          <a:p>
+            <a:pPr marL="171450" indent="-171450">
+              <a:buFontTx/>
+              <a:buChar char="-"/>
+            </a:pPr>
+            <a:endParaRPr lang="en-US" dirty="0"/>
+          </a:p>
+          <a:p>
+            <a:pPr marL="171450" indent="-171450">
+              <a:buFontTx/>
+              <a:buChar char="-"/>
+            </a:pPr>
+            <a:endParaRPr lang="en-US" dirty="0"/>
+          </a:p>
+        </p:txBody>
+      </p:sp>
+      <p:sp>
+        <p:nvSpPr>
+          <p:cNvPr id="4" name="Slide Number Placeholder 3"/>
+          <p:cNvSpPr>
+            <a:spLocks noGrp="1"/>
+          </p:cNvSpPr>
+          <p:nvPr>
+            <p:ph type="sldNum" sz="quarter" idx="5"/>
+          </p:nvPr>
+        </p:nvSpPr>
+        <p:spPr/>
+        <p:txBody>
+          <a:bodyPr/>
+          <a:lstStyle/>
+          <a:p>
+            <a:fld id="{F9B9FEB2-A9F6-4A0B-814A-25999B410DF4}" type="slidenum">
+              <a:rPr lang="en-US" smtClean="0"/>
+              <a:t>4</a:t>
+            </a:fld>
+            <a:endParaRPr lang="en-US"/>
+          </a:p>
+        </p:txBody>
+      </p:sp>
+    </p:spTree>
+    <p:extLst>
+      <p:ext uri="{BB962C8B-B14F-4D97-AF65-F5344CB8AC3E}">
+        <p14:creationId xmlns:p14="http://schemas.microsoft.com/office/powerpoint/2010/main" val="1525905731"/>
+      </p:ext>
+    </p:extLst>
+  </p:cSld>
+  <p:clrMapOvr>
+    <a:masterClrMapping/>
+  </p:clrMapOvr>
+</p:notes>
+</file>
+
+<file path=ppt/notesSlides/notesSlide5.xml><?xml version="1.0" encoding="utf-8"?>
+<p:notes xmlns:a="http://schemas.openxmlformats.org/drawingml/2006/main" xmlns:r="http://schemas.openxmlformats.org/officeDocument/2006/relationships" xmlns:p="http://schemas.openxmlformats.org/presentationml/2006/main">
+  <p:cSld>
+    <p:spTree>
+      <p:nvGrpSpPr>
+        <p:cNvPr id="1" name=""/>
+        <p:cNvGrpSpPr/>
+        <p:nvPr/>
+      </p:nvGrpSpPr>
+      <p:grpSpPr>
+        <a:xfrm>
+          <a:off x="0" y="0"/>
+          <a:ext cx="0" cy="0"/>
+          <a:chOff x="0" y="0"/>
+          <a:chExt cx="0" cy="0"/>
+        </a:xfrm>
+      </p:grpSpPr>
+      <p:sp>
+        <p:nvSpPr>
+          <p:cNvPr id="2" name="Slide Image Placeholder 1"/>
+          <p:cNvSpPr>
+            <a:spLocks noGrp="1" noRot="1" noChangeAspect="1"/>
+          </p:cNvSpPr>
+          <p:nvPr>
+            <p:ph type="sldImg"/>
+          </p:nvPr>
+        </p:nvSpPr>
+        <p:spPr/>
+      </p:sp>
+      <p:sp>
+        <p:nvSpPr>
+          <p:cNvPr id="3" name="Notes Placeholder 2"/>
+          <p:cNvSpPr>
+            <a:spLocks noGrp="1"/>
+          </p:cNvSpPr>
+          <p:nvPr>
+            <p:ph type="body" idx="1"/>
+          </p:nvPr>
+        </p:nvSpPr>
+        <p:spPr/>
+        <p:txBody>
+          <a:bodyPr/>
+          <a:lstStyle/>
+          <a:p>
             <a:r>
               <a:rPr lang="en-US" dirty="0"/>
               <a:t>Here is what I want to show you tonight:</a:t>
@@ -1113,6 +1226,66 @@
               <a:rPr lang="en-US" dirty="0"/>
               <a:t>You can have a modular Elastic Stack environment that is easy to create and maintain locally, and in production, on Kubernetes with the ECK</a:t>
             </a:r>
+          </a:p>
+          <a:p>
+            <a:endParaRPr lang="en-US" dirty="0"/>
+          </a:p>
+          <a:p>
+            <a:pPr marL="171450" indent="-171450">
+              <a:buFontTx/>
+              <a:buChar char="-"/>
+            </a:pPr>
+            <a:endParaRPr lang="en-US" dirty="0"/>
+          </a:p>
+          <a:p>
+            <a:pPr marL="171450" indent="-171450">
+              <a:buFontTx/>
+              <a:buChar char="-"/>
+            </a:pPr>
+            <a:r>
+              <a:rPr lang="en-US" dirty="0"/>
+              <a:t>The problem</a:t>
+            </a:r>
+          </a:p>
+          <a:p>
+            <a:pPr marL="171450" indent="-171450">
+              <a:buFontTx/>
+              <a:buChar char="-"/>
+            </a:pPr>
+            <a:r>
+              <a:rPr lang="en-US" dirty="0"/>
+              <a:t>Kubernetes is difficult, and complicated</a:t>
+            </a:r>
+          </a:p>
+          <a:p>
+            <a:pPr marL="171450" indent="-171450">
+              <a:buFontTx/>
+              <a:buChar char="-"/>
+            </a:pPr>
+            <a:r>
+              <a:rPr lang="en-US" dirty="0"/>
+              <a:t>Docker/Compose came along and made it easier to dynamically create, and destroy, and modify environments</a:t>
+            </a:r>
+          </a:p>
+          <a:p>
+            <a:pPr marL="171450" indent="-171450">
+              <a:buFontTx/>
+              <a:buChar char="-"/>
+            </a:pPr>
+            <a:r>
+              <a:rPr lang="en-US" dirty="0"/>
+              <a:t>That’s good for local dev</a:t>
+            </a:r>
+          </a:p>
+          <a:p>
+            <a:pPr marL="171450" indent="-171450">
+              <a:buFontTx/>
+              <a:buChar char="-"/>
+            </a:pPr>
+            <a:endParaRPr lang="en-US"/>
+          </a:p>
+          <a:p>
+            <a:endParaRPr lang="en-US" dirty="0"/>
           </a:p>
         </p:txBody>
       </p:sp>
@@ -1152,7 +1325,7 @@
 </p:notes>
 </file>
 
-<file path=ppt/notesSlides/notesSlide5.xml><?xml version="1.0" encoding="utf-8"?>
+<file path=ppt/notesSlides/notesSlide6.xml><?xml version="1.0" encoding="utf-8"?>
 <p:notes xmlns:a="http://schemas.openxmlformats.org/drawingml/2006/main" xmlns:r="http://schemas.openxmlformats.org/officeDocument/2006/relationships" xmlns:p="http://schemas.openxmlformats.org/presentationml/2006/main">
   <p:cSld>
     <p:spTree>
@@ -7054,15 +7227,7 @@
                   <a:schemeClr val="bg1"/>
                 </a:solidFill>
               </a:rPr>
-              <a:t>using </a:t>
-            </a:r>
-            <a:r>
-              <a:rPr lang="en-US" sz="1400" spc="300" dirty="0" err="1">
-                <a:solidFill>
-                  <a:schemeClr val="bg1"/>
-                </a:solidFill>
-              </a:rPr>
-              <a:t>Skaffold</a:t>
+              <a:t>using Skaffold</a:t>
             </a:r>
             <a:endParaRPr lang="id-ID" sz="1400" spc="300" dirty="0">
               <a:solidFill>

--- a/local-dev-elastic-k8s-skaffold.pptx
+++ b/local-dev-elastic-k8s-skaffold.pptx
@@ -202,7 +202,7 @@
           <a:p>
             <a:fld id="{231D93CD-0B58-4D9C-866F-FADE0CEFDE70}" type="datetimeFigureOut">
               <a:rPr lang="en-US" smtClean="0"/>
-              <a:t>12/5/2020</a:t>
+              <a:t>1/12/2021</a:t>
             </a:fld>
             <a:endParaRPr lang="en-US"/>
           </a:p>
@@ -513,6 +513,40 @@
           <a:bodyPr/>
           <a:lstStyle/>
           <a:p>
+            <a:pPr marL="171450" indent="-171450">
+              <a:buFontTx/>
+              <a:buChar char="-"/>
+            </a:pPr>
+            <a:r>
+              <a:rPr lang="en-US" b="0" dirty="0">
+                <a:solidFill>
+                  <a:srgbClr val="D4D4D4"/>
+                </a:solidFill>
+                <a:effectLst/>
+                <a:latin typeface="JetBrains Mono, Fira Code, Consolas, monospace"/>
+              </a:rPr>
+              <a:t>Elastic, Kubernetes, are Important – and strong dev environment is important</a:t>
+            </a:r>
+          </a:p>
+          <a:p>
+            <a:endParaRPr lang="en-US" b="0" dirty="0">
+              <a:solidFill>
+                <a:srgbClr val="D4D4D4"/>
+              </a:solidFill>
+              <a:effectLst/>
+              <a:latin typeface="JetBrains Mono, Fira Code, Consolas, monospace"/>
+            </a:endParaRPr>
+          </a:p>
+          <a:p>
+            <a:endParaRPr lang="en-US" b="0" dirty="0">
+              <a:solidFill>
+                <a:srgbClr val="D4D4D4"/>
+              </a:solidFill>
+              <a:effectLst/>
+              <a:latin typeface="JetBrains Mono, Fira Code, Consolas, monospace"/>
+            </a:endParaRPr>
+          </a:p>
+          <a:p>
             <a:br>
               <a:rPr lang="en-US" b="0" dirty="0">
                 <a:solidFill>
@@ -796,7 +830,7 @@
             </a:r>
           </a:p>
           <a:p>
-            <a:pPr marL="0" marR="0" lvl="0" indent="0" algn="l" defTabSz="914400" rtl="0" eaLnBrk="1" fontAlgn="auto" latinLnBrk="0" hangingPunct="1">
+            <a:pPr marL="171450" marR="0" lvl="0" indent="-171450" algn="l" defTabSz="914400" rtl="0" eaLnBrk="1" fontAlgn="auto" latinLnBrk="0" hangingPunct="1">
               <a:lnSpc>
                 <a:spcPct val="100000"/>
               </a:lnSpc>
@@ -809,11 +843,14 @@
               <a:buClrTx/>
               <a:buSzTx/>
               <a:buFontTx/>
-              <a:buNone/>
+              <a:buChar char="-"/>
               <a:tabLst/>
               <a:defRPr/>
             </a:pPr>
-            <a:endParaRPr lang="en-US" dirty="0"/>
+            <a:r>
+              <a:rPr lang="en-US" dirty="0"/>
+              <a:t>Fast iteration</a:t>
+            </a:r>
           </a:p>
           <a:p>
             <a:pPr marL="171450" marR="0" lvl="0" indent="-171450" algn="l" defTabSz="914400" rtl="0" eaLnBrk="1" fontAlgn="auto" latinLnBrk="0" hangingPunct="1">
@@ -1109,13 +1146,8 @@
             </a:pPr>
             <a:r>
               <a:rPr lang="en-US" dirty="0"/>
-              <a:t>Development environments should be as similar to production, as is reasonable. Kubernetes can give you that, </a:t>
-            </a:r>
-            <a:r>
-              <a:rPr lang="en-US" dirty="0" err="1"/>
-              <a:t>bu</a:t>
-            </a:r>
-            <a:endParaRPr lang="en-US" dirty="0"/>
+              <a:t>Development environments should be as similar to production, as is reasonable. Kubernetes can give you that, but…Kubernetes</a:t>
+            </a:r>
           </a:p>
           <a:p>
             <a:pPr marL="171450" indent="-171450">
@@ -1556,7 +1588,7 @@
           <a:p>
             <a:fld id="{E85119D7-30AE-46B3-8466-F2EC1AF2F79D}" type="datetimeFigureOut">
               <a:rPr lang="id-ID" smtClean="0"/>
-              <a:t>05/12/2020</a:t>
+              <a:t>12/01/2021</a:t>
             </a:fld>
             <a:endParaRPr lang="id-ID"/>
           </a:p>
@@ -1754,7 +1786,7 @@
           <a:p>
             <a:fld id="{E85119D7-30AE-46B3-8466-F2EC1AF2F79D}" type="datetimeFigureOut">
               <a:rPr lang="id-ID" smtClean="0"/>
-              <a:t>05/12/2020</a:t>
+              <a:t>12/01/2021</a:t>
             </a:fld>
             <a:endParaRPr lang="id-ID"/>
           </a:p>
@@ -1962,7 +1994,7 @@
           <a:p>
             <a:fld id="{E85119D7-30AE-46B3-8466-F2EC1AF2F79D}" type="datetimeFigureOut">
               <a:rPr lang="id-ID" smtClean="0"/>
-              <a:t>05/12/2020</a:t>
+              <a:t>12/01/2021</a:t>
             </a:fld>
             <a:endParaRPr lang="id-ID"/>
           </a:p>
@@ -3240,7 +3272,7 @@
           <a:p>
             <a:fld id="{E85119D7-30AE-46B3-8466-F2EC1AF2F79D}" type="datetimeFigureOut">
               <a:rPr lang="id-ID" smtClean="0"/>
-              <a:t>05/12/2020</a:t>
+              <a:t>12/01/2021</a:t>
             </a:fld>
             <a:endParaRPr lang="id-ID"/>
           </a:p>
@@ -4727,7 +4759,7 @@
           <a:p>
             <a:fld id="{E85119D7-30AE-46B3-8466-F2EC1AF2F79D}" type="datetimeFigureOut">
               <a:rPr lang="id-ID" smtClean="0"/>
-              <a:t>05/12/2020</a:t>
+              <a:t>12/01/2021</a:t>
             </a:fld>
             <a:endParaRPr lang="id-ID"/>
           </a:p>
@@ -4992,7 +5024,7 @@
           <a:p>
             <a:fld id="{E85119D7-30AE-46B3-8466-F2EC1AF2F79D}" type="datetimeFigureOut">
               <a:rPr lang="id-ID" smtClean="0"/>
-              <a:t>05/12/2020</a:t>
+              <a:t>12/01/2021</a:t>
             </a:fld>
             <a:endParaRPr lang="id-ID"/>
           </a:p>
@@ -5404,7 +5436,7 @@
           <a:p>
             <a:fld id="{E85119D7-30AE-46B3-8466-F2EC1AF2F79D}" type="datetimeFigureOut">
               <a:rPr lang="id-ID" smtClean="0"/>
-              <a:t>05/12/2020</a:t>
+              <a:t>12/01/2021</a:t>
             </a:fld>
             <a:endParaRPr lang="id-ID"/>
           </a:p>
@@ -5545,7 +5577,7 @@
           <a:p>
             <a:fld id="{E85119D7-30AE-46B3-8466-F2EC1AF2F79D}" type="datetimeFigureOut">
               <a:rPr lang="id-ID" smtClean="0"/>
-              <a:t>05/12/2020</a:t>
+              <a:t>12/01/2021</a:t>
             </a:fld>
             <a:endParaRPr lang="id-ID"/>
           </a:p>
@@ -5658,7 +5690,7 @@
           <a:p>
             <a:fld id="{E85119D7-30AE-46B3-8466-F2EC1AF2F79D}" type="datetimeFigureOut">
               <a:rPr lang="id-ID" smtClean="0"/>
-              <a:t>05/12/2020</a:t>
+              <a:t>12/01/2021</a:t>
             </a:fld>
             <a:endParaRPr lang="id-ID"/>
           </a:p>
@@ -5969,7 +6001,7 @@
           <a:p>
             <a:fld id="{E85119D7-30AE-46B3-8466-F2EC1AF2F79D}" type="datetimeFigureOut">
               <a:rPr lang="id-ID" smtClean="0"/>
-              <a:t>05/12/2020</a:t>
+              <a:t>12/01/2021</a:t>
             </a:fld>
             <a:endParaRPr lang="id-ID"/>
           </a:p>
@@ -6257,7 +6289,7 @@
           <a:p>
             <a:fld id="{E85119D7-30AE-46B3-8466-F2EC1AF2F79D}" type="datetimeFigureOut">
               <a:rPr lang="id-ID" smtClean="0"/>
-              <a:t>05/12/2020</a:t>
+              <a:t>12/01/2021</a:t>
             </a:fld>
             <a:endParaRPr lang="id-ID"/>
           </a:p>
@@ -6498,7 +6530,7 @@
           <a:p>
             <a:fld id="{E85119D7-30AE-46B3-8466-F2EC1AF2F79D}" type="datetimeFigureOut">
               <a:rPr lang="id-ID" smtClean="0"/>
-              <a:t>05/12/2020</a:t>
+              <a:t>12/01/2021</a:t>
             </a:fld>
             <a:endParaRPr lang="id-ID"/>
           </a:p>

--- a/local-dev-elastic-k8s-skaffold.pptx
+++ b/local-dev-elastic-k8s-skaffold.pptx
@@ -9,11 +9,11 @@
   </p:notesMasterIdLst>
   <p:sldIdLst>
     <p:sldId id="306" r:id="rId2"/>
-    <p:sldId id="310" r:id="rId3"/>
-    <p:sldId id="263" r:id="rId4"/>
-    <p:sldId id="308" r:id="rId5"/>
-    <p:sldId id="262" r:id="rId6"/>
-    <p:sldId id="311" r:id="rId7"/>
+    <p:sldId id="263" r:id="rId3"/>
+    <p:sldId id="308" r:id="rId4"/>
+    <p:sldId id="262" r:id="rId5"/>
+    <p:sldId id="311" r:id="rId6"/>
+    <p:sldId id="310" r:id="rId7"/>
   </p:sldIdLst>
   <p:sldSz cx="12192000" cy="6858000"/>
   <p:notesSz cx="6858000" cy="9144000"/>
@@ -714,16 +714,243 @@
           <a:bodyPr/>
           <a:lstStyle/>
           <a:p>
+            <a:pPr marL="0" marR="0" lvl="0" indent="0" algn="l" defTabSz="914400" rtl="0" eaLnBrk="1" fontAlgn="auto" latinLnBrk="0" hangingPunct="1">
+              <a:lnSpc>
+                <a:spcPct val="100000"/>
+              </a:lnSpc>
+              <a:spcBef>
+                <a:spcPts val="0"/>
+              </a:spcBef>
+              <a:spcAft>
+                <a:spcPts val="0"/>
+              </a:spcAft>
+              <a:buClrTx/>
+              <a:buSzTx/>
+              <a:buFontTx/>
+              <a:buNone/>
+              <a:tabLst/>
+              <a:defRPr/>
+            </a:pPr>
             <a:r>
               <a:rPr lang="en-US" dirty="0"/>
-              <a:t>I’m Joe Zack, </a:t>
-            </a:r>
-          </a:p>
-          <a:p>
+              <a:t>Point: Local Development is important:</a:t>
+            </a:r>
+          </a:p>
+          <a:p>
+            <a:pPr marL="171450" marR="0" lvl="0" indent="-171450" algn="l" defTabSz="914400" rtl="0" eaLnBrk="1" fontAlgn="auto" latinLnBrk="0" hangingPunct="1">
+              <a:lnSpc>
+                <a:spcPct val="100000"/>
+              </a:lnSpc>
+              <a:spcBef>
+                <a:spcPts val="0"/>
+              </a:spcBef>
+              <a:spcAft>
+                <a:spcPts val="0"/>
+              </a:spcAft>
+              <a:buClrTx/>
+              <a:buSzTx/>
+              <a:buFontTx/>
+              <a:buChar char="-"/>
+              <a:tabLst/>
+              <a:defRPr/>
+            </a:pPr>
             <a:r>
               <a:rPr lang="en-US" dirty="0"/>
-              <a:t>I have a podcast with a couple friends where we talk about stuff we like, like Code, and DevOps, and Elastic Stack</a:t>
-            </a:r>
+              <a:t>Fast iteration</a:t>
+            </a:r>
+          </a:p>
+          <a:p>
+            <a:pPr marL="171450" marR="0" lvl="0" indent="-171450" algn="l" defTabSz="914400" rtl="0" eaLnBrk="1" fontAlgn="auto" latinLnBrk="0" hangingPunct="1">
+              <a:lnSpc>
+                <a:spcPct val="100000"/>
+              </a:lnSpc>
+              <a:spcBef>
+                <a:spcPts val="0"/>
+              </a:spcBef>
+              <a:spcAft>
+                <a:spcPts val="0"/>
+              </a:spcAft>
+              <a:buClrTx/>
+              <a:buSzTx/>
+              <a:buFontTx/>
+              <a:buChar char="-"/>
+              <a:tabLst/>
+              <a:defRPr/>
+            </a:pPr>
+            <a:r>
+              <a:rPr lang="en-US" dirty="0"/>
+              <a:t>Similarity means less errors, easier to reproduce problems or experiment</a:t>
+            </a:r>
+          </a:p>
+          <a:p>
+            <a:pPr marL="171450" marR="0" lvl="0" indent="-171450" algn="l" defTabSz="914400" rtl="0" eaLnBrk="1" fontAlgn="auto" latinLnBrk="0" hangingPunct="1">
+              <a:lnSpc>
+                <a:spcPct val="100000"/>
+              </a:lnSpc>
+              <a:spcBef>
+                <a:spcPts val="0"/>
+              </a:spcBef>
+              <a:spcAft>
+                <a:spcPts val="0"/>
+              </a:spcAft>
+              <a:buClrTx/>
+              <a:buSzTx/>
+              <a:buFontTx/>
+              <a:buChar char="-"/>
+              <a:tabLst/>
+              <a:defRPr/>
+            </a:pPr>
+            <a:r>
+              <a:rPr lang="en-US" dirty="0"/>
+              <a:t>Mutate your environment without breaking anybody else</a:t>
+            </a:r>
+          </a:p>
+          <a:p>
+            <a:pPr marL="171450" marR="0" lvl="0" indent="-171450" algn="l" defTabSz="914400" rtl="0" eaLnBrk="1" fontAlgn="auto" latinLnBrk="0" hangingPunct="1">
+              <a:lnSpc>
+                <a:spcPct val="100000"/>
+              </a:lnSpc>
+              <a:spcBef>
+                <a:spcPts val="0"/>
+              </a:spcBef>
+              <a:spcAft>
+                <a:spcPts val="0"/>
+              </a:spcAft>
+              <a:buClrTx/>
+              <a:buSzTx/>
+              <a:buFontTx/>
+              <a:buChar char="-"/>
+              <a:tabLst/>
+              <a:defRPr/>
+            </a:pPr>
+            <a:endParaRPr lang="en-US" dirty="0"/>
+          </a:p>
+          <a:p>
+            <a:pPr marL="171450" marR="0" lvl="0" indent="-171450" algn="l" defTabSz="914400" rtl="0" eaLnBrk="1" fontAlgn="auto" latinLnBrk="0" hangingPunct="1">
+              <a:lnSpc>
+                <a:spcPct val="100000"/>
+              </a:lnSpc>
+              <a:spcBef>
+                <a:spcPts val="0"/>
+              </a:spcBef>
+              <a:spcAft>
+                <a:spcPts val="0"/>
+              </a:spcAft>
+              <a:buClrTx/>
+              <a:buSzTx/>
+              <a:buFontTx/>
+              <a:buChar char="-"/>
+              <a:tabLst/>
+              <a:defRPr/>
+            </a:pPr>
+            <a:endParaRPr lang="en-US" dirty="0"/>
+          </a:p>
+          <a:p>
+            <a:pPr marL="0" marR="0" lvl="0" indent="0" algn="l" defTabSz="914400" rtl="0" eaLnBrk="1" fontAlgn="auto" latinLnBrk="0" hangingPunct="1">
+              <a:lnSpc>
+                <a:spcPct val="100000"/>
+              </a:lnSpc>
+              <a:spcBef>
+                <a:spcPts val="0"/>
+              </a:spcBef>
+              <a:spcAft>
+                <a:spcPts val="0"/>
+              </a:spcAft>
+              <a:buClrTx/>
+              <a:buSzTx/>
+              <a:buFontTx/>
+              <a:buNone/>
+              <a:tabLst/>
+              <a:defRPr/>
+            </a:pPr>
+            <a:r>
+              <a:rPr lang="en-US" dirty="0"/>
+              <a:t>Why Kubernetes?</a:t>
+            </a:r>
+          </a:p>
+          <a:p>
+            <a:pPr marL="171450" marR="0" lvl="0" indent="-171450" algn="l" defTabSz="914400" rtl="0" eaLnBrk="1" fontAlgn="auto" latinLnBrk="0" hangingPunct="1">
+              <a:lnSpc>
+                <a:spcPct val="100000"/>
+              </a:lnSpc>
+              <a:spcBef>
+                <a:spcPts val="0"/>
+              </a:spcBef>
+              <a:spcAft>
+                <a:spcPts val="0"/>
+              </a:spcAft>
+              <a:buClrTx/>
+              <a:buSzTx/>
+              <a:buFontTx/>
+              <a:buChar char="-"/>
+              <a:tabLst/>
+              <a:defRPr/>
+            </a:pPr>
+            <a:r>
+              <a:rPr lang="en-US" dirty="0"/>
+              <a:t>You can explorer different versions of your environment</a:t>
+            </a:r>
+          </a:p>
+          <a:p>
+            <a:pPr marL="171450" marR="0" lvl="0" indent="-171450" algn="l" defTabSz="914400" rtl="0" eaLnBrk="1" fontAlgn="auto" latinLnBrk="0" hangingPunct="1">
+              <a:lnSpc>
+                <a:spcPct val="100000"/>
+              </a:lnSpc>
+              <a:spcBef>
+                <a:spcPts val="0"/>
+              </a:spcBef>
+              <a:spcAft>
+                <a:spcPts val="0"/>
+              </a:spcAft>
+              <a:buClrTx/>
+              <a:buSzTx/>
+              <a:buFontTx/>
+              <a:buChar char="-"/>
+              <a:tabLst/>
+              <a:defRPr/>
+            </a:pPr>
+            <a:r>
+              <a:rPr lang="en-US" dirty="0"/>
+              <a:t>You can find problems sooner</a:t>
+            </a:r>
+          </a:p>
+          <a:p>
+            <a:pPr marL="171450" marR="0" lvl="0" indent="-171450" algn="l" defTabSz="914400" rtl="0" eaLnBrk="1" fontAlgn="auto" latinLnBrk="0" hangingPunct="1">
+              <a:lnSpc>
+                <a:spcPct val="100000"/>
+              </a:lnSpc>
+              <a:spcBef>
+                <a:spcPts val="0"/>
+              </a:spcBef>
+              <a:spcAft>
+                <a:spcPts val="0"/>
+              </a:spcAft>
+              <a:buClrTx/>
+              <a:buSzTx/>
+              <a:buFontTx/>
+              <a:buChar char="-"/>
+              <a:tabLst/>
+              <a:defRPr/>
+            </a:pPr>
+            <a:r>
+              <a:rPr lang="en-US" dirty="0"/>
+              <a:t>Your </a:t>
+            </a:r>
+            <a:r>
+              <a:rPr lang="en-US" dirty="0" err="1"/>
+              <a:t>devs</a:t>
+            </a:r>
+            <a:r>
+              <a:rPr lang="en-US" dirty="0"/>
+              <a:t> can get more experience with a production-like environment?</a:t>
+            </a:r>
+          </a:p>
+          <a:p>
+            <a:pPr marL="171450" indent="-171450">
+              <a:buFontTx/>
+              <a:buChar char="-"/>
+            </a:pPr>
+            <a:endParaRPr lang="en-US" dirty="0"/>
           </a:p>
         </p:txBody>
       </p:sp>
@@ -753,7 +980,7 @@
     </p:spTree>
     <p:extLst>
       <p:ext uri="{BB962C8B-B14F-4D97-AF65-F5344CB8AC3E}">
-        <p14:creationId xmlns:p14="http://schemas.microsoft.com/office/powerpoint/2010/main" val="3724256977"/>
+        <p14:creationId xmlns:p14="http://schemas.microsoft.com/office/powerpoint/2010/main" val="3727363355"/>
       </p:ext>
     </p:extLst>
   </p:cSld>
@@ -807,29 +1034,6 @@
           <a:bodyPr/>
           <a:lstStyle/>
           <a:p>
-            <a:pPr marL="0" marR="0" lvl="0" indent="0" algn="l" defTabSz="914400" rtl="0" eaLnBrk="1" fontAlgn="auto" latinLnBrk="0" hangingPunct="1">
-              <a:lnSpc>
-                <a:spcPct val="100000"/>
-              </a:lnSpc>
-              <a:spcBef>
-                <a:spcPts val="0"/>
-              </a:spcBef>
-              <a:spcAft>
-                <a:spcPts val="0"/>
-              </a:spcAft>
-              <a:buClrTx/>
-              <a:buSzTx/>
-              <a:buFontTx/>
-              <a:buNone/>
-              <a:tabLst/>
-              <a:defRPr/>
-            </a:pPr>
-            <a:r>
-              <a:rPr lang="en-US" dirty="0"/>
-              <a:t>Point: Local Development is important:</a:t>
-            </a:r>
-          </a:p>
-          <a:p>
             <a:pPr marL="171450" marR="0" lvl="0" indent="-171450" algn="l" defTabSz="914400" rtl="0" eaLnBrk="1" fontAlgn="auto" latinLnBrk="0" hangingPunct="1">
               <a:lnSpc>
                 <a:spcPct val="100000"/>
@@ -849,193 +1053,7 @@
             </a:pPr>
             <a:r>
               <a:rPr lang="en-US" dirty="0"/>
-              <a:t>Fast iteration</a:t>
-            </a:r>
-          </a:p>
-          <a:p>
-            <a:pPr marL="171450" marR="0" lvl="0" indent="-171450" algn="l" defTabSz="914400" rtl="0" eaLnBrk="1" fontAlgn="auto" latinLnBrk="0" hangingPunct="1">
-              <a:lnSpc>
-                <a:spcPct val="100000"/>
-              </a:lnSpc>
-              <a:spcBef>
-                <a:spcPts val="0"/>
-              </a:spcBef>
-              <a:spcAft>
-                <a:spcPts val="0"/>
-              </a:spcAft>
-              <a:buClrTx/>
-              <a:buSzTx/>
-              <a:buFontTx/>
-              <a:buChar char="-"/>
-              <a:tabLst/>
-              <a:defRPr/>
-            </a:pPr>
-            <a:r>
-              <a:rPr lang="en-US" dirty="0"/>
-              <a:t>Similarity means less errors, easier to reproduce problems or experiment</a:t>
-            </a:r>
-          </a:p>
-          <a:p>
-            <a:pPr marL="171450" marR="0" lvl="0" indent="-171450" algn="l" defTabSz="914400" rtl="0" eaLnBrk="1" fontAlgn="auto" latinLnBrk="0" hangingPunct="1">
-              <a:lnSpc>
-                <a:spcPct val="100000"/>
-              </a:lnSpc>
-              <a:spcBef>
-                <a:spcPts val="0"/>
-              </a:spcBef>
-              <a:spcAft>
-                <a:spcPts val="0"/>
-              </a:spcAft>
-              <a:buClrTx/>
-              <a:buSzTx/>
-              <a:buFontTx/>
-              <a:buChar char="-"/>
-              <a:tabLst/>
-              <a:defRPr/>
-            </a:pPr>
-            <a:r>
-              <a:rPr lang="en-US" dirty="0"/>
-              <a:t>Mutate your environment without breaking anybody else</a:t>
-            </a:r>
-          </a:p>
-          <a:p>
-            <a:pPr marL="171450" marR="0" lvl="0" indent="-171450" algn="l" defTabSz="914400" rtl="0" eaLnBrk="1" fontAlgn="auto" latinLnBrk="0" hangingPunct="1">
-              <a:lnSpc>
-                <a:spcPct val="100000"/>
-              </a:lnSpc>
-              <a:spcBef>
-                <a:spcPts val="0"/>
-              </a:spcBef>
-              <a:spcAft>
-                <a:spcPts val="0"/>
-              </a:spcAft>
-              <a:buClrTx/>
-              <a:buSzTx/>
-              <a:buFontTx/>
-              <a:buChar char="-"/>
-              <a:tabLst/>
-              <a:defRPr/>
-            </a:pPr>
-            <a:endParaRPr lang="en-US" dirty="0"/>
-          </a:p>
-          <a:p>
-            <a:pPr marL="171450" marR="0" lvl="0" indent="-171450" algn="l" defTabSz="914400" rtl="0" eaLnBrk="1" fontAlgn="auto" latinLnBrk="0" hangingPunct="1">
-              <a:lnSpc>
-                <a:spcPct val="100000"/>
-              </a:lnSpc>
-              <a:spcBef>
-                <a:spcPts val="0"/>
-              </a:spcBef>
-              <a:spcAft>
-                <a:spcPts val="0"/>
-              </a:spcAft>
-              <a:buClrTx/>
-              <a:buSzTx/>
-              <a:buFontTx/>
-              <a:buChar char="-"/>
-              <a:tabLst/>
-              <a:defRPr/>
-            </a:pPr>
-            <a:endParaRPr lang="en-US" dirty="0"/>
-          </a:p>
-          <a:p>
-            <a:pPr marL="0" marR="0" lvl="0" indent="0" algn="l" defTabSz="914400" rtl="0" eaLnBrk="1" fontAlgn="auto" latinLnBrk="0" hangingPunct="1">
-              <a:lnSpc>
-                <a:spcPct val="100000"/>
-              </a:lnSpc>
-              <a:spcBef>
-                <a:spcPts val="0"/>
-              </a:spcBef>
-              <a:spcAft>
-                <a:spcPts val="0"/>
-              </a:spcAft>
-              <a:buClrTx/>
-              <a:buSzTx/>
-              <a:buFontTx/>
-              <a:buNone/>
-              <a:tabLst/>
-              <a:defRPr/>
-            </a:pPr>
-            <a:r>
-              <a:rPr lang="en-US" dirty="0"/>
-              <a:t>Why Kubernetes?</a:t>
-            </a:r>
-          </a:p>
-          <a:p>
-            <a:pPr marL="171450" marR="0" lvl="0" indent="-171450" algn="l" defTabSz="914400" rtl="0" eaLnBrk="1" fontAlgn="auto" latinLnBrk="0" hangingPunct="1">
-              <a:lnSpc>
-                <a:spcPct val="100000"/>
-              </a:lnSpc>
-              <a:spcBef>
-                <a:spcPts val="0"/>
-              </a:spcBef>
-              <a:spcAft>
-                <a:spcPts val="0"/>
-              </a:spcAft>
-              <a:buClrTx/>
-              <a:buSzTx/>
-              <a:buFontTx/>
-              <a:buChar char="-"/>
-              <a:tabLst/>
-              <a:defRPr/>
-            </a:pPr>
-            <a:r>
-              <a:rPr lang="en-US" dirty="0"/>
-              <a:t>You can explorer different versions of your environment</a:t>
-            </a:r>
-          </a:p>
-          <a:p>
-            <a:pPr marL="171450" marR="0" lvl="0" indent="-171450" algn="l" defTabSz="914400" rtl="0" eaLnBrk="1" fontAlgn="auto" latinLnBrk="0" hangingPunct="1">
-              <a:lnSpc>
-                <a:spcPct val="100000"/>
-              </a:lnSpc>
-              <a:spcBef>
-                <a:spcPts val="0"/>
-              </a:spcBef>
-              <a:spcAft>
-                <a:spcPts val="0"/>
-              </a:spcAft>
-              <a:buClrTx/>
-              <a:buSzTx/>
-              <a:buFontTx/>
-              <a:buChar char="-"/>
-              <a:tabLst/>
-              <a:defRPr/>
-            </a:pPr>
-            <a:r>
-              <a:rPr lang="en-US" dirty="0"/>
-              <a:t>You can find problems sooner</a:t>
-            </a:r>
-          </a:p>
-          <a:p>
-            <a:pPr marL="171450" marR="0" lvl="0" indent="-171450" algn="l" defTabSz="914400" rtl="0" eaLnBrk="1" fontAlgn="auto" latinLnBrk="0" hangingPunct="1">
-              <a:lnSpc>
-                <a:spcPct val="100000"/>
-              </a:lnSpc>
-              <a:spcBef>
-                <a:spcPts val="0"/>
-              </a:spcBef>
-              <a:spcAft>
-                <a:spcPts val="0"/>
-              </a:spcAft>
-              <a:buClrTx/>
-              <a:buSzTx/>
-              <a:buFontTx/>
-              <a:buChar char="-"/>
-              <a:tabLst/>
-              <a:defRPr/>
-            </a:pPr>
-            <a:r>
-              <a:rPr lang="en-US" dirty="0"/>
-              <a:t>Your </a:t>
-            </a:r>
-            <a:r>
-              <a:rPr lang="en-US" dirty="0" err="1"/>
-              <a:t>devs</a:t>
-            </a:r>
-            <a:r>
-              <a:rPr lang="en-US" dirty="0"/>
-              <a:t> can get more experience with a production-like environment?</a:t>
+              <a:t>Development environments should be as similar to production, as is reasonable. Kubernetes can give you that, but…Kubernetes</a:t>
             </a:r>
           </a:p>
           <a:p>
@@ -1045,6 +1063,13 @@
             </a:pPr>
             <a:endParaRPr lang="en-US" dirty="0"/>
           </a:p>
+          <a:p>
+            <a:pPr marL="171450" indent="-171450">
+              <a:buFontTx/>
+              <a:buChar char="-"/>
+            </a:pPr>
+            <a:endParaRPr lang="en-US" dirty="0"/>
+          </a:p>
         </p:txBody>
       </p:sp>
       <p:sp>
@@ -1073,7 +1098,7 @@
     </p:spTree>
     <p:extLst>
       <p:ext uri="{BB962C8B-B14F-4D97-AF65-F5344CB8AC3E}">
-        <p14:creationId xmlns:p14="http://schemas.microsoft.com/office/powerpoint/2010/main" val="3727363355"/>
+        <p14:creationId xmlns:p14="http://schemas.microsoft.com/office/powerpoint/2010/main" val="1525905731"/>
       </p:ext>
     </p:extLst>
   </p:cSld>
@@ -1127,27 +1152,22 @@
           <a:bodyPr/>
           <a:lstStyle/>
           <a:p>
-            <a:pPr marL="171450" marR="0" lvl="0" indent="-171450" algn="l" defTabSz="914400" rtl="0" eaLnBrk="1" fontAlgn="auto" latinLnBrk="0" hangingPunct="1">
-              <a:lnSpc>
-                <a:spcPct val="100000"/>
-              </a:lnSpc>
-              <a:spcBef>
-                <a:spcPts val="0"/>
-              </a:spcBef>
-              <a:spcAft>
-                <a:spcPts val="0"/>
-              </a:spcAft>
-              <a:buClrTx/>
-              <a:buSzTx/>
-              <a:buFontTx/>
-              <a:buChar char="-"/>
-              <a:tabLst/>
-              <a:defRPr/>
-            </a:pPr>
             <a:r>
               <a:rPr lang="en-US" dirty="0"/>
-              <a:t>Development environments should be as similar to production, as is reasonable. Kubernetes can give you that, but…Kubernetes</a:t>
-            </a:r>
+              <a:t>Here is what I want to show you tonight:</a:t>
+            </a:r>
+          </a:p>
+          <a:p>
+            <a:endParaRPr lang="en-US" dirty="0"/>
+          </a:p>
+          <a:p>
+            <a:r>
+              <a:rPr lang="en-US" dirty="0"/>
+              <a:t>You can have a modular Elastic Stack environment that is easy to create and maintain locally, and in production, on Kubernetes with the ECK</a:t>
+            </a:r>
+          </a:p>
+          <a:p>
+            <a:endParaRPr lang="en-US" dirty="0"/>
           </a:p>
           <a:p>
             <a:pPr marL="171450" indent="-171450">
@@ -1161,6 +1181,49 @@
               <a:buFontTx/>
               <a:buChar char="-"/>
             </a:pPr>
+            <a:r>
+              <a:rPr lang="en-US" dirty="0"/>
+              <a:t>The problem</a:t>
+            </a:r>
+          </a:p>
+          <a:p>
+            <a:pPr marL="171450" indent="-171450">
+              <a:buFontTx/>
+              <a:buChar char="-"/>
+            </a:pPr>
+            <a:r>
+              <a:rPr lang="en-US" dirty="0"/>
+              <a:t>Kubernetes is difficult, and complicated</a:t>
+            </a:r>
+          </a:p>
+          <a:p>
+            <a:pPr marL="171450" indent="-171450">
+              <a:buFontTx/>
+              <a:buChar char="-"/>
+            </a:pPr>
+            <a:r>
+              <a:rPr lang="en-US" dirty="0"/>
+              <a:t>Docker/Compose came along and made it easier to dynamically create, and destroy, and modify environments</a:t>
+            </a:r>
+          </a:p>
+          <a:p>
+            <a:pPr marL="171450" indent="-171450">
+              <a:buFontTx/>
+              <a:buChar char="-"/>
+            </a:pPr>
+            <a:r>
+              <a:rPr lang="en-US" dirty="0"/>
+              <a:t>That’s good for local dev</a:t>
+            </a:r>
+          </a:p>
+          <a:p>
+            <a:pPr marL="171450" indent="-171450">
+              <a:buFontTx/>
+              <a:buChar char="-"/>
+            </a:pPr>
+            <a:endParaRPr lang="en-US"/>
+          </a:p>
+          <a:p>
             <a:endParaRPr lang="en-US" dirty="0"/>
           </a:p>
         </p:txBody>
@@ -1191,7 +1254,7 @@
     </p:spTree>
     <p:extLst>
       <p:ext uri="{BB962C8B-B14F-4D97-AF65-F5344CB8AC3E}">
-        <p14:creationId xmlns:p14="http://schemas.microsoft.com/office/powerpoint/2010/main" val="1525905731"/>
+        <p14:creationId xmlns:p14="http://schemas.microsoft.com/office/powerpoint/2010/main" val="1587631367"/>
       </p:ext>
     </p:extLst>
   </p:cSld>
@@ -1245,78 +1308,6 @@
           <a:bodyPr/>
           <a:lstStyle/>
           <a:p>
-            <a:r>
-              <a:rPr lang="en-US" dirty="0"/>
-              <a:t>Here is what I want to show you tonight:</a:t>
-            </a:r>
-          </a:p>
-          <a:p>
-            <a:endParaRPr lang="en-US" dirty="0"/>
-          </a:p>
-          <a:p>
-            <a:r>
-              <a:rPr lang="en-US" dirty="0"/>
-              <a:t>You can have a modular Elastic Stack environment that is easy to create and maintain locally, and in production, on Kubernetes with the ECK</a:t>
-            </a:r>
-          </a:p>
-          <a:p>
-            <a:endParaRPr lang="en-US" dirty="0"/>
-          </a:p>
-          <a:p>
-            <a:pPr marL="171450" indent="-171450">
-              <a:buFontTx/>
-              <a:buChar char="-"/>
-            </a:pPr>
-            <a:endParaRPr lang="en-US" dirty="0"/>
-          </a:p>
-          <a:p>
-            <a:pPr marL="171450" indent="-171450">
-              <a:buFontTx/>
-              <a:buChar char="-"/>
-            </a:pPr>
-            <a:r>
-              <a:rPr lang="en-US" dirty="0"/>
-              <a:t>The problem</a:t>
-            </a:r>
-          </a:p>
-          <a:p>
-            <a:pPr marL="171450" indent="-171450">
-              <a:buFontTx/>
-              <a:buChar char="-"/>
-            </a:pPr>
-            <a:r>
-              <a:rPr lang="en-US" dirty="0"/>
-              <a:t>Kubernetes is difficult, and complicated</a:t>
-            </a:r>
-          </a:p>
-          <a:p>
-            <a:pPr marL="171450" indent="-171450">
-              <a:buFontTx/>
-              <a:buChar char="-"/>
-            </a:pPr>
-            <a:r>
-              <a:rPr lang="en-US" dirty="0"/>
-              <a:t>Docker/Compose came along and made it easier to dynamically create, and destroy, and modify environments</a:t>
-            </a:r>
-          </a:p>
-          <a:p>
-            <a:pPr marL="171450" indent="-171450">
-              <a:buFontTx/>
-              <a:buChar char="-"/>
-            </a:pPr>
-            <a:r>
-              <a:rPr lang="en-US" dirty="0"/>
-              <a:t>That’s good for local dev</a:t>
-            </a:r>
-          </a:p>
-          <a:p>
-            <a:pPr marL="171450" indent="-171450">
-              <a:buFontTx/>
-              <a:buChar char="-"/>
-            </a:pPr>
-            <a:endParaRPr lang="en-US"/>
-          </a:p>
-          <a:p>
             <a:endParaRPr lang="en-US" dirty="0"/>
           </a:p>
         </p:txBody>
@@ -1347,7 +1338,7 @@
     </p:spTree>
     <p:extLst>
       <p:ext uri="{BB962C8B-B14F-4D97-AF65-F5344CB8AC3E}">
-        <p14:creationId xmlns:p14="http://schemas.microsoft.com/office/powerpoint/2010/main" val="1587631367"/>
+        <p14:creationId xmlns:p14="http://schemas.microsoft.com/office/powerpoint/2010/main" val="3500156154"/>
       </p:ext>
     </p:extLst>
   </p:cSld>
@@ -1401,7 +1392,16 @@
           <a:bodyPr/>
           <a:lstStyle/>
           <a:p>
-            <a:endParaRPr lang="en-US" dirty="0"/>
+            <a:r>
+              <a:rPr lang="en-US" dirty="0"/>
+              <a:t>I’m Joe Zack, </a:t>
+            </a:r>
+          </a:p>
+          <a:p>
+            <a:r>
+              <a:rPr lang="en-US" dirty="0"/>
+              <a:t>I have a podcast with a couple friends where we talk about stuff we like, like Code, and DevOps, and Elastic Stack</a:t>
+            </a:r>
           </a:p>
         </p:txBody>
       </p:sp>
@@ -1431,7 +1431,7 @@
     </p:spTree>
     <p:extLst>
       <p:ext uri="{BB962C8B-B14F-4D97-AF65-F5344CB8AC3E}">
-        <p14:creationId xmlns:p14="http://schemas.microsoft.com/office/powerpoint/2010/main" val="3500156154"/>
+        <p14:creationId xmlns:p14="http://schemas.microsoft.com/office/powerpoint/2010/main" val="3724256977"/>
       </p:ext>
     </p:extLst>
   </p:cSld>
@@ -7285,108 +7285,6 @@
 <file path=ppt/slides/slide2.xml><?xml version="1.0" encoding="utf-8"?>
 <p:sld xmlns:a="http://schemas.openxmlformats.org/drawingml/2006/main" xmlns:r="http://schemas.openxmlformats.org/officeDocument/2006/relationships" xmlns:p="http://schemas.openxmlformats.org/presentationml/2006/main">
   <p:cSld>
-    <p:spTree>
-      <p:nvGrpSpPr>
-        <p:cNvPr id="1" name=""/>
-        <p:cNvGrpSpPr/>
-        <p:nvPr/>
-      </p:nvGrpSpPr>
-      <p:grpSpPr>
-        <a:xfrm>
-          <a:off x="0" y="0"/>
-          <a:ext cx="0" cy="0"/>
-          <a:chOff x="0" y="0"/>
-          <a:chExt cx="0" cy="0"/>
-        </a:xfrm>
-      </p:grpSpPr>
-      <p:pic>
-        <p:nvPicPr>
-          <p:cNvPr id="16" name="Picture 15" descr="A picture containing outdoor, person, sky, phone&#10;&#10;Description automatically generated">
-            <a:extLst>
-              <a:ext uri="{FF2B5EF4-FFF2-40B4-BE49-F238E27FC236}">
-                <a16:creationId xmlns:a16="http://schemas.microsoft.com/office/drawing/2014/main" id="{FF588C0A-A1BF-4206-AFC4-0B763242E57C}"/>
-              </a:ext>
-            </a:extLst>
-          </p:cNvPr>
-          <p:cNvPicPr>
-            <a:picLocks noChangeAspect="1"/>
-          </p:cNvPicPr>
-          <p:nvPr/>
-        </p:nvPicPr>
-        <p:blipFill>
-          <a:blip r:embed="rId3" cstate="print">
-            <a:extLst>
-              <a:ext uri="{28A0092B-C50C-407E-A947-70E740481C1C}">
-                <a14:useLocalDpi xmlns:a14="http://schemas.microsoft.com/office/drawing/2010/main" val="0"/>
-              </a:ext>
-            </a:extLst>
-          </a:blip>
-          <a:stretch>
-            <a:fillRect/>
-          </a:stretch>
-        </p:blipFill>
-        <p:spPr>
-          <a:xfrm>
-            <a:off x="4006273" y="0"/>
-            <a:ext cx="10281828" cy="6858000"/>
-          </a:xfrm>
-          <a:prstGeom prst="rect">
-            <a:avLst/>
-          </a:prstGeom>
-        </p:spPr>
-      </p:pic>
-      <p:pic>
-        <p:nvPicPr>
-          <p:cNvPr id="14" name="Picture 13" descr="Graphical user interface, application&#10;&#10;Description automatically generated">
-            <a:extLst>
-              <a:ext uri="{FF2B5EF4-FFF2-40B4-BE49-F238E27FC236}">
-                <a16:creationId xmlns:a16="http://schemas.microsoft.com/office/drawing/2014/main" id="{A71A0224-F0C6-4EB4-9B44-B8CB5E5408B9}"/>
-              </a:ext>
-            </a:extLst>
-          </p:cNvPr>
-          <p:cNvPicPr>
-            <a:picLocks noChangeAspect="1"/>
-          </p:cNvPicPr>
-          <p:nvPr/>
-        </p:nvPicPr>
-        <p:blipFill>
-          <a:blip r:embed="rId4" cstate="print">
-            <a:extLst>
-              <a:ext uri="{28A0092B-C50C-407E-A947-70E740481C1C}">
-                <a14:useLocalDpi xmlns:a14="http://schemas.microsoft.com/office/drawing/2010/main" val="0"/>
-              </a:ext>
-            </a:extLst>
-          </a:blip>
-          <a:stretch>
-            <a:fillRect/>
-          </a:stretch>
-        </p:blipFill>
-        <p:spPr>
-          <a:xfrm>
-            <a:off x="0" y="0"/>
-            <a:ext cx="4006273" cy="8235118"/>
-          </a:xfrm>
-          <a:prstGeom prst="rect">
-            <a:avLst/>
-          </a:prstGeom>
-        </p:spPr>
-      </p:pic>
-    </p:spTree>
-    <p:extLst>
-      <p:ext uri="{BB962C8B-B14F-4D97-AF65-F5344CB8AC3E}">
-        <p14:creationId xmlns:p14="http://schemas.microsoft.com/office/powerpoint/2010/main" val="4195835991"/>
-      </p:ext>
-    </p:extLst>
-  </p:cSld>
-  <p:clrMapOvr>
-    <a:masterClrMapping/>
-  </p:clrMapOvr>
-</p:sld>
-</file>
-
-<file path=ppt/slides/slide3.xml><?xml version="1.0" encoding="utf-8"?>
-<p:sld xmlns:a="http://schemas.openxmlformats.org/drawingml/2006/main" xmlns:r="http://schemas.openxmlformats.org/officeDocument/2006/relationships" xmlns:p="http://schemas.openxmlformats.org/presentationml/2006/main">
-  <p:cSld>
     <p:bg>
       <p:bgPr>
         <a:gradFill>
@@ -7641,7 +7539,7 @@
 </p:sld>
 </file>
 
-<file path=ppt/slides/slide4.xml><?xml version="1.0" encoding="utf-8"?>
+<file path=ppt/slides/slide3.xml><?xml version="1.0" encoding="utf-8"?>
 <p:sld xmlns:a="http://schemas.openxmlformats.org/drawingml/2006/main" xmlns:r="http://schemas.openxmlformats.org/officeDocument/2006/relationships" xmlns:p="http://schemas.openxmlformats.org/presentationml/2006/main">
   <p:cSld>
     <p:spTree>
@@ -7831,7 +7729,7 @@
 </p:sld>
 </file>
 
-<file path=ppt/slides/slide5.xml><?xml version="1.0" encoding="utf-8"?>
+<file path=ppt/slides/slide4.xml><?xml version="1.0" encoding="utf-8"?>
 <p:sld xmlns:a="http://schemas.openxmlformats.org/drawingml/2006/main" xmlns:r="http://schemas.openxmlformats.org/officeDocument/2006/relationships" xmlns:p="http://schemas.openxmlformats.org/presentationml/2006/main">
   <p:cSld>
     <p:bg>
@@ -8369,7 +8267,7 @@
 </p:sld>
 </file>
 
-<file path=ppt/slides/slide6.xml><?xml version="1.0" encoding="utf-8"?>
+<file path=ppt/slides/slide5.xml><?xml version="1.0" encoding="utf-8"?>
 <p:sld xmlns:a="http://schemas.openxmlformats.org/drawingml/2006/main" xmlns:r="http://schemas.openxmlformats.org/officeDocument/2006/relationships" xmlns:p="http://schemas.openxmlformats.org/presentationml/2006/main">
   <p:cSld>
     <p:bg>
@@ -8534,6 +8432,108 @@
     <p:extLst>
       <p:ext uri="{BB962C8B-B14F-4D97-AF65-F5344CB8AC3E}">
         <p14:creationId xmlns:p14="http://schemas.microsoft.com/office/powerpoint/2010/main" val="1692919639"/>
+      </p:ext>
+    </p:extLst>
+  </p:cSld>
+  <p:clrMapOvr>
+    <a:masterClrMapping/>
+  </p:clrMapOvr>
+</p:sld>
+</file>
+
+<file path=ppt/slides/slide6.xml><?xml version="1.0" encoding="utf-8"?>
+<p:sld xmlns:a="http://schemas.openxmlformats.org/drawingml/2006/main" xmlns:r="http://schemas.openxmlformats.org/officeDocument/2006/relationships" xmlns:p="http://schemas.openxmlformats.org/presentationml/2006/main">
+  <p:cSld>
+    <p:spTree>
+      <p:nvGrpSpPr>
+        <p:cNvPr id="1" name=""/>
+        <p:cNvGrpSpPr/>
+        <p:nvPr/>
+      </p:nvGrpSpPr>
+      <p:grpSpPr>
+        <a:xfrm>
+          <a:off x="0" y="0"/>
+          <a:ext cx="0" cy="0"/>
+          <a:chOff x="0" y="0"/>
+          <a:chExt cx="0" cy="0"/>
+        </a:xfrm>
+      </p:grpSpPr>
+      <p:pic>
+        <p:nvPicPr>
+          <p:cNvPr id="16" name="Picture 15" descr="A picture containing outdoor, person, sky, phone&#10;&#10;Description automatically generated">
+            <a:extLst>
+              <a:ext uri="{FF2B5EF4-FFF2-40B4-BE49-F238E27FC236}">
+                <a16:creationId xmlns:a16="http://schemas.microsoft.com/office/drawing/2014/main" id="{FF588C0A-A1BF-4206-AFC4-0B763242E57C}"/>
+              </a:ext>
+            </a:extLst>
+          </p:cNvPr>
+          <p:cNvPicPr>
+            <a:picLocks noChangeAspect="1"/>
+          </p:cNvPicPr>
+          <p:nvPr/>
+        </p:nvPicPr>
+        <p:blipFill>
+          <a:blip r:embed="rId3" cstate="print">
+            <a:extLst>
+              <a:ext uri="{28A0092B-C50C-407E-A947-70E740481C1C}">
+                <a14:useLocalDpi xmlns:a14="http://schemas.microsoft.com/office/drawing/2010/main" val="0"/>
+              </a:ext>
+            </a:extLst>
+          </a:blip>
+          <a:stretch>
+            <a:fillRect/>
+          </a:stretch>
+        </p:blipFill>
+        <p:spPr>
+          <a:xfrm>
+            <a:off x="4006273" y="0"/>
+            <a:ext cx="10281828" cy="6858000"/>
+          </a:xfrm>
+          <a:prstGeom prst="rect">
+            <a:avLst/>
+          </a:prstGeom>
+        </p:spPr>
+      </p:pic>
+      <p:pic>
+        <p:nvPicPr>
+          <p:cNvPr id="14" name="Picture 13" descr="Graphical user interface, application&#10;&#10;Description automatically generated">
+            <a:extLst>
+              <a:ext uri="{FF2B5EF4-FFF2-40B4-BE49-F238E27FC236}">
+                <a16:creationId xmlns:a16="http://schemas.microsoft.com/office/drawing/2014/main" id="{A71A0224-F0C6-4EB4-9B44-B8CB5E5408B9}"/>
+              </a:ext>
+            </a:extLst>
+          </p:cNvPr>
+          <p:cNvPicPr>
+            <a:picLocks noChangeAspect="1"/>
+          </p:cNvPicPr>
+          <p:nvPr/>
+        </p:nvPicPr>
+        <p:blipFill>
+          <a:blip r:embed="rId4" cstate="print">
+            <a:extLst>
+              <a:ext uri="{28A0092B-C50C-407E-A947-70E740481C1C}">
+                <a14:useLocalDpi xmlns:a14="http://schemas.microsoft.com/office/drawing/2010/main" val="0"/>
+              </a:ext>
+            </a:extLst>
+          </a:blip>
+          <a:stretch>
+            <a:fillRect/>
+          </a:stretch>
+        </p:blipFill>
+        <p:spPr>
+          <a:xfrm>
+            <a:off x="0" y="0"/>
+            <a:ext cx="4006273" cy="8235118"/>
+          </a:xfrm>
+          <a:prstGeom prst="rect">
+            <a:avLst/>
+          </a:prstGeom>
+        </p:spPr>
+      </p:pic>
+    </p:spTree>
+    <p:extLst>
+      <p:ext uri="{BB962C8B-B14F-4D97-AF65-F5344CB8AC3E}">
+        <p14:creationId xmlns:p14="http://schemas.microsoft.com/office/powerpoint/2010/main" val="4195835991"/>
       </p:ext>
     </p:extLst>
   </p:cSld>
